--- a/lectures/week_2/background_estimation.pptx
+++ b/lectures/week_2/background_estimation.pptx
@@ -246,7 +246,7 @@
           <a:p>
             <a:fld id="{A07BD339-CA9E-4EF4-A1EB-60A3387116BC}" type="datetimeFigureOut">
               <a:rPr lang="en-US" smtClean="0"/>
-              <a:t>2/3/2019</a:t>
+              <a:t>2/4/2019</a:t>
             </a:fld>
             <a:endParaRPr lang="en-US"/>
           </a:p>
@@ -713,7 +713,7 @@
             </a:extLst>
           </p:cNvPr>
           <p:cNvSpPr>
-            <a:spLocks noRot="1" noChangeArrowheads="1" noTextEdit="1"/>
+            <a:spLocks noGrp="1" noRot="1" noChangeAspect="1" noChangeArrowheads="1" noTextEdit="1"/>
           </p:cNvSpPr>
           <p:nvPr>
             <p:ph type="sldImg"/>
@@ -1226,7 +1226,7 @@
             </a:extLst>
           </p:cNvPr>
           <p:cNvSpPr>
-            <a:spLocks noRot="1" noChangeArrowheads="1" noTextEdit="1"/>
+            <a:spLocks noGrp="1" noRot="1" noChangeAspect="1" noChangeArrowheads="1" noTextEdit="1"/>
           </p:cNvSpPr>
           <p:nvPr>
             <p:ph type="sldImg"/>
@@ -1686,7 +1686,7 @@
           <a:p>
             <a:fld id="{1B7DDD70-4FFB-4F6A-8417-33B54555A9A4}" type="datetimeFigureOut">
               <a:rPr lang="en-US" smtClean="0"/>
-              <a:t>2/3/2019</a:t>
+              <a:t>2/4/2019</a:t>
             </a:fld>
             <a:endParaRPr lang="en-US"/>
           </a:p>
@@ -1884,7 +1884,7 @@
           <a:p>
             <a:fld id="{1B7DDD70-4FFB-4F6A-8417-33B54555A9A4}" type="datetimeFigureOut">
               <a:rPr lang="en-US" smtClean="0"/>
-              <a:t>2/3/2019</a:t>
+              <a:t>2/4/2019</a:t>
             </a:fld>
             <a:endParaRPr lang="en-US"/>
           </a:p>
@@ -2092,7 +2092,7 @@
           <a:p>
             <a:fld id="{1B7DDD70-4FFB-4F6A-8417-33B54555A9A4}" type="datetimeFigureOut">
               <a:rPr lang="en-US" smtClean="0"/>
-              <a:t>2/3/2019</a:t>
+              <a:t>2/4/2019</a:t>
             </a:fld>
             <a:endParaRPr lang="en-US"/>
           </a:p>
@@ -2361,7 +2361,7 @@
           <a:p>
             <a:fld id="{1D8BD707-D9CF-40AE-B4C6-C98DA3205C09}" type="datetimeFigureOut">
               <a:rPr lang="en-US"/>
-              <a:t>2/3/2019</a:t>
+              <a:t>2/4/2019</a:t>
             </a:fld>
             <a:endParaRPr lang="en-US"/>
           </a:p>
@@ -2537,7 +2537,7 @@
           <a:p>
             <a:fld id="{1B7DDD70-4FFB-4F6A-8417-33B54555A9A4}" type="datetimeFigureOut">
               <a:rPr lang="en-US" smtClean="0"/>
-              <a:t>2/3/2019</a:t>
+              <a:t>2/4/2019</a:t>
             </a:fld>
             <a:endParaRPr lang="en-US"/>
           </a:p>
@@ -2812,7 +2812,7 @@
           <a:p>
             <a:fld id="{1B7DDD70-4FFB-4F6A-8417-33B54555A9A4}" type="datetimeFigureOut">
               <a:rPr lang="en-US" smtClean="0"/>
-              <a:t>2/3/2019</a:t>
+              <a:t>2/4/2019</a:t>
             </a:fld>
             <a:endParaRPr lang="en-US"/>
           </a:p>
@@ -3077,7 +3077,7 @@
           <a:p>
             <a:fld id="{1B7DDD70-4FFB-4F6A-8417-33B54555A9A4}" type="datetimeFigureOut">
               <a:rPr lang="en-US" smtClean="0"/>
-              <a:t>2/3/2019</a:t>
+              <a:t>2/4/2019</a:t>
             </a:fld>
             <a:endParaRPr lang="en-US"/>
           </a:p>
@@ -3489,7 +3489,7 @@
           <a:p>
             <a:fld id="{1B7DDD70-4FFB-4F6A-8417-33B54555A9A4}" type="datetimeFigureOut">
               <a:rPr lang="en-US" smtClean="0"/>
-              <a:t>2/3/2019</a:t>
+              <a:t>2/4/2019</a:t>
             </a:fld>
             <a:endParaRPr lang="en-US"/>
           </a:p>
@@ -3630,7 +3630,7 @@
           <a:p>
             <a:fld id="{1B7DDD70-4FFB-4F6A-8417-33B54555A9A4}" type="datetimeFigureOut">
               <a:rPr lang="en-US" smtClean="0"/>
-              <a:t>2/3/2019</a:t>
+              <a:t>2/4/2019</a:t>
             </a:fld>
             <a:endParaRPr lang="en-US"/>
           </a:p>
@@ -3743,7 +3743,7 @@
           <a:p>
             <a:fld id="{1B7DDD70-4FFB-4F6A-8417-33B54555A9A4}" type="datetimeFigureOut">
               <a:rPr lang="en-US" smtClean="0"/>
-              <a:t>2/3/2019</a:t>
+              <a:t>2/4/2019</a:t>
             </a:fld>
             <a:endParaRPr lang="en-US"/>
           </a:p>
@@ -4054,7 +4054,7 @@
           <a:p>
             <a:fld id="{1B7DDD70-4FFB-4F6A-8417-33B54555A9A4}" type="datetimeFigureOut">
               <a:rPr lang="en-US" smtClean="0"/>
-              <a:t>2/3/2019</a:t>
+              <a:t>2/4/2019</a:t>
             </a:fld>
             <a:endParaRPr lang="en-US"/>
           </a:p>
@@ -4342,7 +4342,7 @@
           <a:p>
             <a:fld id="{1B7DDD70-4FFB-4F6A-8417-33B54555A9A4}" type="datetimeFigureOut">
               <a:rPr lang="en-US" smtClean="0"/>
-              <a:t>2/3/2019</a:t>
+              <a:t>2/4/2019</a:t>
             </a:fld>
             <a:endParaRPr lang="en-US"/>
           </a:p>
@@ -4583,7 +4583,7 @@
           <a:p>
             <a:fld id="{1B7DDD70-4FFB-4F6A-8417-33B54555A9A4}" type="datetimeFigureOut">
               <a:rPr lang="en-US" smtClean="0"/>
-              <a:t>2/3/2019</a:t>
+              <a:t>2/4/2019</a:t>
             </a:fld>
             <a:endParaRPr lang="en-US"/>
           </a:p>
@@ -5861,8 +5861,8 @@
           </a:extLst>
         </p:spPr>
       </p:pic>
-      <mc:AlternateContent xmlns:mc="http://schemas.openxmlformats.org/markup-compatibility/2006">
-        <mc:Choice xmlns:a14="http://schemas.microsoft.com/office/drawing/2010/main" Requires="a14">
+      <mc:AlternateContent xmlns:mc="http://schemas.openxmlformats.org/markup-compatibility/2006" xmlns:a14="http://schemas.microsoft.com/office/drawing/2010/main">
+        <mc:Choice Requires="a14">
           <p:sp>
             <p:nvSpPr>
               <p:cNvPr id="14341" name="Object 5">
@@ -5895,7 +5895,6 @@
               </a:bodyPr>
               <a:lstStyle/>
               <a:p>
-                <a:pPr/>
                 <a:r>
                   <a:rPr lang="en-US" b="1" dirty="0">
                     <a:solidFill>
@@ -6110,7 +6109,7 @@
             </p:txBody>
           </p:sp>
         </mc:Choice>
-        <mc:Fallback>
+        <mc:Fallback xmlns="">
           <p:sp>
             <p:nvSpPr>
               <p:cNvPr id="14341" name="Object 5">
@@ -7878,7 +7877,7 @@
             <a:graphicData uri="http://schemas.openxmlformats.org/presentationml/2006/ole">
               <mc:AlternateContent xmlns:mc="http://schemas.openxmlformats.org/markup-compatibility/2006">
                 <mc:Choice xmlns:v="urn:schemas-microsoft-com:vml" Requires="v">
-                  <p:oleObj spid="_x0000_s5182" name="Equation" r:id="rId3" imgW="672840" imgH="203040" progId="Equation.3">
+                  <p:oleObj spid="_x0000_s5194" name="Equation" r:id="rId3" imgW="672840" imgH="203040" progId="Equation.3">
                     <p:embed/>
                   </p:oleObj>
                 </mc:Choice>
@@ -8836,7 +8835,7 @@
             <a:graphicData uri="http://schemas.openxmlformats.org/presentationml/2006/ole">
               <mc:AlternateContent xmlns:mc="http://schemas.openxmlformats.org/markup-compatibility/2006">
                 <mc:Choice xmlns:v="urn:schemas-microsoft-com:vml" Requires="v">
-                  <p:oleObj spid="_x0000_s5183" name="Equation" r:id="rId5" imgW="583920" imgH="266400" progId="Equation.3">
+                  <p:oleObj spid="_x0000_s5195" name="Equation" r:id="rId5" imgW="583920" imgH="266400" progId="Equation.3">
                     <p:embed/>
                   </p:oleObj>
                 </mc:Choice>
@@ -8941,7 +8940,7 @@
             <a:graphicData uri="http://schemas.openxmlformats.org/presentationml/2006/ole">
               <mc:AlternateContent xmlns:mc="http://schemas.openxmlformats.org/markup-compatibility/2006">
                 <mc:Choice xmlns:v="urn:schemas-microsoft-com:vml" Requires="v">
-                  <p:oleObj spid="_x0000_s5184" name="Equation" r:id="rId7" imgW="1079280" imgH="215640" progId="Equation.3">
+                  <p:oleObj spid="_x0000_s5196" name="Equation" r:id="rId7" imgW="1079280" imgH="215640" progId="Equation.3">
                     <p:embed/>
                   </p:oleObj>
                 </mc:Choice>
@@ -10213,7 +10212,7 @@
           <a:graphicData uri="http://schemas.openxmlformats.org/presentationml/2006/ole">
             <mc:AlternateContent xmlns:mc="http://schemas.openxmlformats.org/markup-compatibility/2006">
               <mc:Choice xmlns:v="urn:schemas-microsoft-com:vml" Requires="v">
-                <p:oleObj spid="_x0000_s6186" name="Equation" r:id="rId3" imgW="774360" imgH="711000" progId="Equation.3">
+                <p:oleObj spid="_x0000_s6194" name="Equation" r:id="rId3" imgW="774360" imgH="711000" progId="Equation.3">
                   <p:embed/>
                 </p:oleObj>
               </mc:Choice>
@@ -10433,7 +10432,7 @@
             <a:graphicData uri="http://schemas.openxmlformats.org/presentationml/2006/ole">
               <mc:AlternateContent xmlns:mc="http://schemas.openxmlformats.org/markup-compatibility/2006">
                 <mc:Choice xmlns:v="urn:schemas-microsoft-com:vml" Requires="v">
-                  <p:oleObj spid="_x0000_s6187" name="Equation" r:id="rId5" imgW="3238200" imgH="761760" progId="Equation.3">
+                  <p:oleObj spid="_x0000_s6195" name="Equation" r:id="rId5" imgW="3238200" imgH="761760" progId="Equation.3">
                     <p:embed/>
                   </p:oleObj>
                 </mc:Choice>
@@ -13664,7 +13663,27 @@
                 <a:latin typeface="Comic Sans MS"/>
                 <a:cs typeface="Comic Sans MS"/>
               </a:rPr>
-              <a:t>has linearly independent columns </a:t>
+              <a:t>has linearly independent columns</a:t>
+            </a:r>
+            <a:r>
+              <a:rPr lang="en-US" sz="1765" spc="-4" dirty="0">
+                <a:solidFill>
+                  <a:srgbClr val="5E2908"/>
+                </a:solidFill>
+                <a:latin typeface="Comic Sans MS"/>
+                <a:cs typeface="Comic Sans MS"/>
+              </a:rPr>
+              <a:t>,</a:t>
+            </a:r>
+            <a:r>
+              <a:rPr sz="1765" spc="-4" dirty="0">
+                <a:solidFill>
+                  <a:srgbClr val="5E2908"/>
+                </a:solidFill>
+                <a:latin typeface="Comic Sans MS"/>
+                <a:cs typeface="Comic Sans MS"/>
+              </a:rPr>
+              <a:t> </a:t>
             </a:r>
             <a:r>
               <a:rPr sz="1765" spc="4" dirty="0">
@@ -13736,7 +13755,7 @@
               </a:rPr>
               <a:t> invertible</a:t>
             </a:r>
-            <a:endParaRPr sz="1765">
+            <a:endParaRPr sz="1765" dirty="0">
               <a:latin typeface="Comic Sans MS"/>
               <a:cs typeface="Comic Sans MS"/>
             </a:endParaRPr>
@@ -14387,7 +14406,7 @@
         </p:nvSpPr>
         <p:spPr>
           <a:xfrm>
-            <a:off x="2801470" y="3956604"/>
+            <a:off x="2801470" y="4041937"/>
             <a:ext cx="2070287" cy="337238"/>
           </a:xfrm>
           <a:prstGeom prst="rect">
@@ -14460,7 +14479,7 @@
         </p:nvSpPr>
         <p:spPr>
           <a:xfrm>
-            <a:off x="6266892" y="3974666"/>
+            <a:off x="6266892" y="4055235"/>
             <a:ext cx="1544171" cy="337238"/>
           </a:xfrm>
           <a:prstGeom prst="rect">
@@ -16029,7 +16048,7 @@
         <p:spPr>
           <a:xfrm>
             <a:off x="4687117" y="5609667"/>
-            <a:ext cx="5180479" cy="652517"/>
+            <a:ext cx="5840840" cy="652517"/>
           </a:xfrm>
           <a:prstGeom prst="rect">
             <a:avLst/>
@@ -16064,11 +16083,32 @@
               <a:t>equations: </a:t>
             </a:r>
             <a:r>
+              <a:rPr lang="en-US" sz="2118" i="1" spc="-4" dirty="0">
+                <a:latin typeface="Arial"/>
+                <a:cs typeface="Arial"/>
+              </a:rPr>
+              <a:t>L</a:t>
+            </a:r>
+            <a:r>
               <a:rPr sz="2118" dirty="0">
                 <a:latin typeface="Arial"/>
                 <a:cs typeface="Arial"/>
               </a:rPr>
-              <a:t>least squares </a:t>
+              <a:t>east </a:t>
+            </a:r>
+            <a:r>
+              <a:rPr lang="en-US" sz="2118" dirty="0">
+                <a:latin typeface="Arial"/>
+                <a:cs typeface="Arial"/>
+              </a:rPr>
+              <a:t>S</a:t>
+            </a:r>
+            <a:r>
+              <a:rPr sz="2118" dirty="0">
+                <a:latin typeface="Arial"/>
+                <a:cs typeface="Arial"/>
+              </a:rPr>
+              <a:t>quares </a:t>
             </a:r>
             <a:r>
               <a:rPr sz="2118" spc="-4" dirty="0">
@@ -16091,7 +16131,7 @@
               </a:rPr>
               <a:t>to</a:t>
             </a:r>
-            <a:endParaRPr sz="2118">
+            <a:endParaRPr sz="2118" dirty="0">
               <a:latin typeface="Arial"/>
               <a:cs typeface="Arial"/>
             </a:endParaRPr>
@@ -16109,7 +16149,7 @@
               </a:rPr>
               <a:t>XB=Y</a:t>
             </a:r>
-            <a:endParaRPr sz="2118">
+            <a:endParaRPr sz="2118" dirty="0">
               <a:latin typeface="Times New Roman"/>
               <a:cs typeface="Times New Roman"/>
             </a:endParaRPr>
@@ -18649,7 +18689,7 @@
         <p:spPr>
           <a:xfrm>
             <a:off x="1963271" y="4034118"/>
-            <a:ext cx="8277202" cy="1754326"/>
+            <a:ext cx="8403839" cy="2031325"/>
           </a:xfrm>
           <a:prstGeom prst="rect">
             <a:avLst/>
@@ -18668,7 +18708,13 @@
             </a:r>
             <a:r>
               <a:rPr lang="en-US" dirty="0"/>
-              <a:t>to find three values (which could have very different eigenvalues)</a:t>
+              <a:t>to find three values (which could have eigenvalues of very different value;</a:t>
+            </a:r>
+          </a:p>
+          <a:p>
+            <a:r>
+              <a:rPr lang="en-US" dirty="0"/>
+              <a:t>                                                          small eigenvalues are critical)</a:t>
             </a:r>
           </a:p>
           <a:p>
@@ -18677,7 +18723,7 @@
           <a:p>
             <a:r>
               <a:rPr lang="en-US" dirty="0"/>
-              <a:t>Instead, since the best fit line must pass through the center of mass of the set of point.</a:t>
+              <a:t>Instead, since the best fit line must pass through the center of mass of the set of points,</a:t>
             </a:r>
           </a:p>
           <a:p>
@@ -22203,6 +22249,71 @@
           </a:fontRef>
         </p:style>
       </p:cxnSp>
+      <p:sp>
+        <p:nvSpPr>
+          <p:cNvPr id="32" name="TextBox 31">
+            <a:extLst>
+              <a:ext uri="{FF2B5EF4-FFF2-40B4-BE49-F238E27FC236}">
+                <a16:creationId xmlns:a16="http://schemas.microsoft.com/office/drawing/2014/main" id="{1F526F95-1E24-4FDE-9697-232B08DB3D01}"/>
+              </a:ext>
+            </a:extLst>
+          </p:cNvPr>
+          <p:cNvSpPr txBox="1"/>
+          <p:nvPr/>
+        </p:nvSpPr>
+        <p:spPr>
+          <a:xfrm>
+            <a:off x="174238" y="3798728"/>
+            <a:ext cx="2252989" cy="646331"/>
+          </a:xfrm>
+          <a:prstGeom prst="rect">
+            <a:avLst/>
+          </a:prstGeom>
+          <a:noFill/>
+        </p:spPr>
+        <p:txBody>
+          <a:bodyPr wrap="none" rtlCol="0">
+            <a:spAutoFit/>
+          </a:bodyPr>
+          <a:lstStyle/>
+          <a:p>
+            <a:r>
+              <a:rPr lang="en-US" dirty="0">
+                <a:solidFill>
+                  <a:schemeClr val="accent1"/>
+                </a:solidFill>
+              </a:rPr>
+              <a:t>Solve linear equations</a:t>
+            </a:r>
+          </a:p>
+          <a:p>
+            <a:r>
+              <a:rPr lang="en-US" dirty="0">
+                <a:solidFill>
+                  <a:schemeClr val="accent1"/>
+                </a:solidFill>
+              </a:rPr>
+              <a:t> in (</a:t>
+            </a:r>
+            <a:r>
+              <a:rPr lang="en-US" dirty="0" err="1">
+                <a:solidFill>
+                  <a:schemeClr val="accent1"/>
+                </a:solidFill>
+              </a:rPr>
+              <a:t>a,b</a:t>
+            </a:r>
+            <a:r>
+              <a:rPr lang="en-US" dirty="0">
+                <a:solidFill>
+                  <a:schemeClr val="accent1"/>
+                </a:solidFill>
+              </a:rPr>
+              <a:t>) only</a:t>
+            </a:r>
+          </a:p>
+        </p:txBody>
+      </p:sp>
     </p:spTree>
   </p:cSld>
   <p:clrMapOvr>
@@ -24825,10 +24936,10 @@
       </p:sp>
       <p:pic>
         <p:nvPicPr>
-          <p:cNvPr id="8" name="Picture 7">
+          <p:cNvPr id="15" name="Picture 14">
             <a:extLst>
               <a:ext uri="{FF2B5EF4-FFF2-40B4-BE49-F238E27FC236}">
-                <a16:creationId xmlns:a16="http://schemas.microsoft.com/office/drawing/2014/main" id="{D731BA5F-0F2D-481C-98F6-F42E3E7B2D31}"/>
+                <a16:creationId xmlns:a16="http://schemas.microsoft.com/office/drawing/2014/main" id="{BDC5CF56-3530-4254-B3EB-0F1C5F3A8757}"/>
               </a:ext>
             </a:extLst>
           </p:cNvPr>
@@ -24855,7 +24966,7 @@
         </p:blipFill>
         <p:spPr>
           <a:xfrm>
-            <a:off x="3405663" y="4574088"/>
+            <a:off x="3405663" y="4574091"/>
             <a:ext cx="1755428" cy="229029"/>
           </a:xfrm>
           <a:prstGeom prst="rect">
@@ -28854,7 +28965,7 @@
                 <a:rPr kumimoji="1" lang="en-US" altLang="en-US" dirty="0">
                   <a:latin typeface="Trebuchet MS" panose="020B0603020202020204" pitchFamily="34" charset="0"/>
                 </a:rPr>
-                <a:t>this is a </a:t>
+                <a:t>This is a </a:t>
               </a:r>
               <a:r>
                 <a:rPr kumimoji="1" lang="en-US" altLang="en-US" i="1" dirty="0">
@@ -38349,7 +38460,7 @@
           <a:graphicData uri="http://schemas.openxmlformats.org/presentationml/2006/ole">
             <mc:AlternateContent xmlns:mc="http://schemas.openxmlformats.org/markup-compatibility/2006">
               <mc:Choice xmlns:v="urn:schemas-microsoft-com:vml" Requires="v">
-                <p:oleObj spid="_x0000_s1131" name="Equation" r:id="rId3" imgW="927000" imgH="711000" progId="Equation.3">
+                <p:oleObj spid="_x0000_s1151" name="Equation" r:id="rId3" imgW="927000" imgH="711000" progId="Equation.3">
                   <p:embed/>
                 </p:oleObj>
               </mc:Choice>
@@ -38537,7 +38648,7 @@
           <a:graphicData uri="http://schemas.openxmlformats.org/presentationml/2006/ole">
             <mc:AlternateContent xmlns:mc="http://schemas.openxmlformats.org/markup-compatibility/2006">
               <mc:Choice xmlns:v="urn:schemas-microsoft-com:vml" Requires="v">
-                <p:oleObj spid="_x0000_s1132" name="Equation" r:id="rId5" imgW="520560" imgH="711000" progId="Equation.3">
+                <p:oleObj spid="_x0000_s1152" name="Equation" r:id="rId5" imgW="520560" imgH="711000" progId="Equation.3">
                   <p:embed/>
                 </p:oleObj>
               </mc:Choice>
@@ -38642,7 +38753,7 @@
           <a:graphicData uri="http://schemas.openxmlformats.org/presentationml/2006/ole">
             <mc:AlternateContent xmlns:mc="http://schemas.openxmlformats.org/markup-compatibility/2006">
               <mc:Choice xmlns:v="urn:schemas-microsoft-com:vml" Requires="v">
-                <p:oleObj spid="_x0000_s1133" name="Equation" r:id="rId7" imgW="545760" imgH="711000" progId="Equation.3">
+                <p:oleObj spid="_x0000_s1153" name="Equation" r:id="rId7" imgW="545760" imgH="711000" progId="Equation.3">
                   <p:embed/>
                 </p:oleObj>
               </mc:Choice>
@@ -38747,7 +38858,7 @@
           <a:graphicData uri="http://schemas.openxmlformats.org/presentationml/2006/ole">
             <mc:AlternateContent xmlns:mc="http://schemas.openxmlformats.org/markup-compatibility/2006">
               <mc:Choice xmlns:v="urn:schemas-microsoft-com:vml" Requires="v">
-                <p:oleObj spid="_x0000_s1134" name="Equation" r:id="rId9" imgW="533160" imgH="711000" progId="Equation.3">
+                <p:oleObj spid="_x0000_s1154" name="Equation" r:id="rId9" imgW="533160" imgH="711000" progId="Equation.3">
                   <p:embed/>
                 </p:oleObj>
               </mc:Choice>
@@ -39103,7 +39214,7 @@
             <a:graphicData uri="http://schemas.openxmlformats.org/presentationml/2006/ole">
               <mc:AlternateContent xmlns:mc="http://schemas.openxmlformats.org/markup-compatibility/2006">
                 <mc:Choice xmlns:v="urn:schemas-microsoft-com:vml" Requires="v">
-                  <p:oleObj spid="_x0000_s1135" name="Equation" r:id="rId11" imgW="266400" imgH="711000" progId="Equation.3">
+                  <p:oleObj spid="_x0000_s1155" name="Equation" r:id="rId11" imgW="266400" imgH="711000" progId="Equation.3">
                     <p:embed/>
                   </p:oleObj>
                 </mc:Choice>
@@ -39997,7 +40108,7 @@
             <a:graphicData uri="http://schemas.openxmlformats.org/presentationml/2006/ole">
               <mc:AlternateContent xmlns:mc="http://schemas.openxmlformats.org/markup-compatibility/2006">
                 <mc:Choice xmlns:v="urn:schemas-microsoft-com:vml" Requires="v">
-                  <p:oleObj spid="_x0000_s2113" name="Equation" r:id="rId3" imgW="2603160" imgH="241200" progId="Equation.3">
+                  <p:oleObj spid="_x0000_s2125" name="Equation" r:id="rId3" imgW="2603160" imgH="241200" progId="Equation.3">
                     <p:embed/>
                   </p:oleObj>
                 </mc:Choice>
@@ -40221,7 +40332,7 @@
             <a:graphicData uri="http://schemas.openxmlformats.org/presentationml/2006/ole">
               <mc:AlternateContent xmlns:mc="http://schemas.openxmlformats.org/markup-compatibility/2006">
                 <mc:Choice xmlns:v="urn:schemas-microsoft-com:vml" Requires="v">
-                  <p:oleObj spid="_x0000_s2114" name="Equation" r:id="rId5" imgW="2984400" imgH="253800" progId="Equation.3">
+                  <p:oleObj spid="_x0000_s2126" name="Equation" r:id="rId5" imgW="2984400" imgH="253800" progId="Equation.3">
                     <p:embed/>
                   </p:oleObj>
                 </mc:Choice>
@@ -40650,7 +40761,7 @@
             <a:graphicData uri="http://schemas.openxmlformats.org/presentationml/2006/ole">
               <mc:AlternateContent xmlns:mc="http://schemas.openxmlformats.org/markup-compatibility/2006">
                 <mc:Choice xmlns:v="urn:schemas-microsoft-com:vml" Requires="v">
-                  <p:oleObj spid="_x0000_s2115" name="Equation" r:id="rId7" imgW="2717640" imgH="228600" progId="Equation.3">
+                  <p:oleObj spid="_x0000_s2127" name="Equation" r:id="rId7" imgW="2717640" imgH="228600" progId="Equation.3">
                     <p:embed/>
                   </p:oleObj>
                 </mc:Choice>
@@ -41156,7 +41267,7 @@
           <a:graphicData uri="http://schemas.openxmlformats.org/presentationml/2006/ole">
             <mc:AlternateContent xmlns:mc="http://schemas.openxmlformats.org/markup-compatibility/2006">
               <mc:Choice xmlns:v="urn:schemas-microsoft-com:vml" Requires="v">
-                <p:oleObj spid="_x0000_s3162" name="Equation" r:id="rId3" imgW="723600" imgH="457200" progId="Equation.3">
+                <p:oleObj spid="_x0000_s3178" name="Equation" r:id="rId3" imgW="723600" imgH="457200" progId="Equation.3">
                   <p:embed/>
                 </p:oleObj>
               </mc:Choice>
@@ -41261,7 +41372,7 @@
           <a:graphicData uri="http://schemas.openxmlformats.org/presentationml/2006/ole">
             <mc:AlternateContent xmlns:mc="http://schemas.openxmlformats.org/markup-compatibility/2006">
               <mc:Choice xmlns:v="urn:schemas-microsoft-com:vml" Requires="v">
-                <p:oleObj spid="_x0000_s3163" name="Equation" r:id="rId5" imgW="2577960" imgH="457200" progId="Equation.3">
+                <p:oleObj spid="_x0000_s3179" name="Equation" r:id="rId5" imgW="2577960" imgH="457200" progId="Equation.3">
                   <p:embed/>
                 </p:oleObj>
               </mc:Choice>
@@ -41372,7 +41483,7 @@
           <a:graphicData uri="http://schemas.openxmlformats.org/presentationml/2006/ole">
             <mc:AlternateContent xmlns:mc="http://schemas.openxmlformats.org/markup-compatibility/2006">
               <mc:Choice xmlns:v="urn:schemas-microsoft-com:vml" Requires="v">
-                <p:oleObj spid="_x0000_s3164" name="Equation" r:id="rId7" imgW="342720" imgH="457200" progId="Equation.3">
+                <p:oleObj spid="_x0000_s3180" name="Equation" r:id="rId7" imgW="342720" imgH="457200" progId="Equation.3">
                   <p:embed/>
                 </p:oleObj>
               </mc:Choice>
@@ -41483,7 +41594,7 @@
           <a:graphicData uri="http://schemas.openxmlformats.org/presentationml/2006/ole">
             <mc:AlternateContent xmlns:mc="http://schemas.openxmlformats.org/markup-compatibility/2006">
               <mc:Choice xmlns:v="urn:schemas-microsoft-com:vml" Requires="v">
-                <p:oleObj spid="_x0000_s3165" name="Equation" r:id="rId9" imgW="241200" imgH="457200" progId="Equation.3">
+                <p:oleObj spid="_x0000_s3181" name="Equation" r:id="rId9" imgW="241200" imgH="457200" progId="Equation.3">
                   <p:embed/>
                 </p:oleObj>
               </mc:Choice>
@@ -43319,7 +43430,7 @@
           <a:graphicData uri="http://schemas.openxmlformats.org/presentationml/2006/ole">
             <mc:AlternateContent xmlns:mc="http://schemas.openxmlformats.org/markup-compatibility/2006">
               <mc:Choice xmlns:v="urn:schemas-microsoft-com:vml" Requires="v">
-                <p:oleObj spid="_x0000_s4119" name="Equation" r:id="rId5" imgW="685800" imgH="228600" progId="Equation.3">
+                <p:oleObj spid="_x0000_s4123" name="Equation" r:id="rId5" imgW="685800" imgH="228600" progId="Equation.3">
                   <p:embed/>
                 </p:oleObj>
               </mc:Choice>
@@ -43524,7 +43635,7 @@
   <p:tag name="ORIGINALWIDTH" val="959.88"/>
   <p:tag name="LATEXADDIN" val="\documentclass{article}&#10;\usepackage{amsmath}&#10;\DeclareMathOperator*{\argminA}{arg\,min}&#10;\pagestyle{empty}&#10;\begin{document}&#10;&#10;$\argminA_x \|b -A x \| $&#10;&#10;\end{document}"/>
   <p:tag name="IGUANATEXSIZE" val="18"/>
-  <p:tag name="IGUANATEXCURSOR" val="148"/>
+  <p:tag name="IGUANATEXCURSOR" val="147"/>
   <p:tag name="TRANSPARENCY" val="True"/>
   <p:tag name="FILENAME" val=""/>
   <p:tag name="LATEXENGINEID" val="0"/>
